--- a/3조 프로젝트 계획안.pptx
+++ b/3조 프로젝트 계획안.pptx
@@ -213,7 +213,7 @@
           <a:p>
             <a:fld id="{86DA1B76-F04C-44C1-B243-577290132F87}" type="datetimeFigureOut">
               <a:rPr lang="ko-KR" altLang="en-US" smtClean="0"/>
-              <a:t>2025-05-30</a:t>
+              <a:t>2025-06-02</a:t>
             </a:fld>
             <a:endParaRPr lang="ko-KR" altLang="en-US"/>
           </a:p>
@@ -712,7 +712,7 @@
           <a:p>
             <a:fld id="{42451B27-65FA-414C-B090-656981F331A5}" type="datetimeFigureOut">
               <a:rPr lang="ko-KR" altLang="en-US" smtClean="0"/>
-              <a:t>2025-05-30</a:t>
+              <a:t>2025-06-02</a:t>
             </a:fld>
             <a:endParaRPr lang="ko-KR" altLang="en-US"/>
           </a:p>
@@ -910,7 +910,7 @@
           <a:p>
             <a:fld id="{42451B27-65FA-414C-B090-656981F331A5}" type="datetimeFigureOut">
               <a:rPr lang="ko-KR" altLang="en-US" smtClean="0"/>
-              <a:t>2025-05-30</a:t>
+              <a:t>2025-06-02</a:t>
             </a:fld>
             <a:endParaRPr lang="ko-KR" altLang="en-US"/>
           </a:p>
@@ -1118,7 +1118,7 @@
           <a:p>
             <a:fld id="{42451B27-65FA-414C-B090-656981F331A5}" type="datetimeFigureOut">
               <a:rPr lang="ko-KR" altLang="en-US" smtClean="0"/>
-              <a:t>2025-05-30</a:t>
+              <a:t>2025-06-02</a:t>
             </a:fld>
             <a:endParaRPr lang="ko-KR" altLang="en-US"/>
           </a:p>
@@ -1316,7 +1316,7 @@
           <a:p>
             <a:fld id="{42451B27-65FA-414C-B090-656981F331A5}" type="datetimeFigureOut">
               <a:rPr lang="ko-KR" altLang="en-US" smtClean="0"/>
-              <a:t>2025-05-30</a:t>
+              <a:t>2025-06-02</a:t>
             </a:fld>
             <a:endParaRPr lang="ko-KR" altLang="en-US"/>
           </a:p>
@@ -1591,7 +1591,7 @@
           <a:p>
             <a:fld id="{42451B27-65FA-414C-B090-656981F331A5}" type="datetimeFigureOut">
               <a:rPr lang="ko-KR" altLang="en-US" smtClean="0"/>
-              <a:t>2025-05-30</a:t>
+              <a:t>2025-06-02</a:t>
             </a:fld>
             <a:endParaRPr lang="ko-KR" altLang="en-US"/>
           </a:p>
@@ -1856,7 +1856,7 @@
           <a:p>
             <a:fld id="{42451B27-65FA-414C-B090-656981F331A5}" type="datetimeFigureOut">
               <a:rPr lang="ko-KR" altLang="en-US" smtClean="0"/>
-              <a:t>2025-05-30</a:t>
+              <a:t>2025-06-02</a:t>
             </a:fld>
             <a:endParaRPr lang="ko-KR" altLang="en-US"/>
           </a:p>
@@ -2268,7 +2268,7 @@
           <a:p>
             <a:fld id="{42451B27-65FA-414C-B090-656981F331A5}" type="datetimeFigureOut">
               <a:rPr lang="ko-KR" altLang="en-US" smtClean="0"/>
-              <a:t>2025-05-30</a:t>
+              <a:t>2025-06-02</a:t>
             </a:fld>
             <a:endParaRPr lang="ko-KR" altLang="en-US"/>
           </a:p>
@@ -2409,7 +2409,7 @@
           <a:p>
             <a:fld id="{42451B27-65FA-414C-B090-656981F331A5}" type="datetimeFigureOut">
               <a:rPr lang="ko-KR" altLang="en-US" smtClean="0"/>
-              <a:t>2025-05-30</a:t>
+              <a:t>2025-06-02</a:t>
             </a:fld>
             <a:endParaRPr lang="ko-KR" altLang="en-US"/>
           </a:p>
@@ -2522,7 +2522,7 @@
           <a:p>
             <a:fld id="{42451B27-65FA-414C-B090-656981F331A5}" type="datetimeFigureOut">
               <a:rPr lang="ko-KR" altLang="en-US" smtClean="0"/>
-              <a:t>2025-05-30</a:t>
+              <a:t>2025-06-02</a:t>
             </a:fld>
             <a:endParaRPr lang="ko-KR" altLang="en-US"/>
           </a:p>
@@ -2833,7 +2833,7 @@
           <a:p>
             <a:fld id="{42451B27-65FA-414C-B090-656981F331A5}" type="datetimeFigureOut">
               <a:rPr lang="ko-KR" altLang="en-US" smtClean="0"/>
-              <a:t>2025-05-30</a:t>
+              <a:t>2025-06-02</a:t>
             </a:fld>
             <a:endParaRPr lang="ko-KR" altLang="en-US"/>
           </a:p>
@@ -3121,7 +3121,7 @@
           <a:p>
             <a:fld id="{42451B27-65FA-414C-B090-656981F331A5}" type="datetimeFigureOut">
               <a:rPr lang="ko-KR" altLang="en-US" smtClean="0"/>
-              <a:t>2025-05-30</a:t>
+              <a:t>2025-06-02</a:t>
             </a:fld>
             <a:endParaRPr lang="ko-KR" altLang="en-US"/>
           </a:p>
@@ -3362,7 +3362,7 @@
           <a:p>
             <a:fld id="{42451B27-65FA-414C-B090-656981F331A5}" type="datetimeFigureOut">
               <a:rPr lang="ko-KR" altLang="en-US" smtClean="0"/>
-              <a:t>2025-05-30</a:t>
+              <a:t>2025-06-02</a:t>
             </a:fld>
             <a:endParaRPr lang="ko-KR" altLang="en-US"/>
           </a:p>
@@ -3872,7 +3872,7 @@
           <p:nvPr>
             <p:extLst>
               <p:ext uri="{D42A27DB-BD31-4B8C-83A1-F6EECF244321}">
-                <p14:modId xmlns:p14="http://schemas.microsoft.com/office/powerpoint/2010/main" val="2840343859"/>
+                <p14:modId xmlns:p14="http://schemas.microsoft.com/office/powerpoint/2010/main" val="3650652484"/>
               </p:ext>
             </p:extLst>
           </p:nvPr>
@@ -3904,9 +3904,14 @@
                     <a:p>
                       <a:pPr algn="ctr" latinLnBrk="1"/>
                       <a:r>
-                        <a:rPr lang="ko-KR" altLang="en-US" sz="2400" b="1" dirty="0"/>
-                        <a:t>프로젝트 개요</a:t>
+                        <a:rPr lang="ko-KR" altLang="en-US" sz="2400" b="1"/>
+                        <a:t>프로젝트 </a:t>
                       </a:r>
+                      <a:r>
+                        <a:rPr lang="ko-KR" altLang="en-US" sz="2400" b="1" smtClean="0"/>
+                        <a:t>개요 </a:t>
+                      </a:r>
+                      <a:endParaRPr lang="ko-KR" altLang="en-US" sz="2400" b="1" dirty="0"/>
                     </a:p>
                   </a:txBody>
                   <a:tcPr>

--- a/3조 프로젝트 계획안.pptx
+++ b/3조 프로젝트 계획안.pptx
@@ -3872,7 +3872,7 @@
           <p:nvPr>
             <p:extLst>
               <p:ext uri="{D42A27DB-BD31-4B8C-83A1-F6EECF244321}">
-                <p14:modId xmlns:p14="http://schemas.microsoft.com/office/powerpoint/2010/main" val="3650652484"/>
+                <p14:modId xmlns:p14="http://schemas.microsoft.com/office/powerpoint/2010/main" val="3757277050"/>
               </p:ext>
             </p:extLst>
           </p:nvPr>
@@ -3904,12 +3904,16 @@
                     <a:p>
                       <a:pPr algn="ctr" latinLnBrk="1"/>
                       <a:r>
-                        <a:rPr lang="ko-KR" altLang="en-US" sz="2400" b="1"/>
+                        <a:rPr lang="ko-KR" altLang="en-US" sz="2400" b="1" dirty="0"/>
                         <a:t>프로젝트 </a:t>
                       </a:r>
                       <a:r>
                         <a:rPr lang="ko-KR" altLang="en-US" sz="2400" b="1" smtClean="0"/>
                         <a:t>개요 </a:t>
+                      </a:r>
+                      <a:r>
+                        <a:rPr lang="ko-KR" altLang="en-US" sz="2400" b="1" smtClean="0"/>
+                        <a:t> </a:t>
                       </a:r>
                       <a:endParaRPr lang="ko-KR" altLang="en-US" sz="2400" b="1" dirty="0"/>
                     </a:p>

--- a/3조 프로젝트 계획안.pptx
+++ b/3조 프로젝트 계획안.pptx
@@ -3872,7 +3872,7 @@
           <p:nvPr>
             <p:extLst>
               <p:ext uri="{D42A27DB-BD31-4B8C-83A1-F6EECF244321}">
-                <p14:modId xmlns:p14="http://schemas.microsoft.com/office/powerpoint/2010/main" val="3757277050"/>
+                <p14:modId xmlns:p14="http://schemas.microsoft.com/office/powerpoint/2010/main" val="1318040315"/>
               </p:ext>
             </p:extLst>
           </p:nvPr>
@@ -3913,7 +3913,7 @@
                       </a:r>
                       <a:r>
                         <a:rPr lang="ko-KR" altLang="en-US" sz="2400" b="1" smtClean="0"/>
-                        <a:t> </a:t>
+                        <a:t>  </a:t>
                       </a:r>
                       <a:endParaRPr lang="ko-KR" altLang="en-US" sz="2400" b="1" dirty="0"/>
                     </a:p>

--- a/3조 프로젝트 계획안.pptx
+++ b/3조 프로젝트 계획안.pptx
@@ -277,38 +277,37 @@
           <a:p>
             <a:pPr lvl="0"/>
             <a:r>
-              <a:rPr lang="ko-KR" altLang="en-US" smtClean="0"/>
+              <a:rPr lang="ko-KR" altLang="en-US"/>
               <a:t>마스터 텍스트 스타일 편집</a:t>
             </a:r>
           </a:p>
           <a:p>
             <a:pPr lvl="1"/>
             <a:r>
-              <a:rPr lang="ko-KR" altLang="en-US" smtClean="0"/>
+              <a:rPr lang="ko-KR" altLang="en-US"/>
               <a:t>둘째 수준</a:t>
             </a:r>
           </a:p>
           <a:p>
             <a:pPr lvl="2"/>
             <a:r>
-              <a:rPr lang="ko-KR" altLang="en-US" smtClean="0"/>
+              <a:rPr lang="ko-KR" altLang="en-US"/>
               <a:t>셋째 수준</a:t>
             </a:r>
           </a:p>
           <a:p>
             <a:pPr lvl="3"/>
             <a:r>
-              <a:rPr lang="ko-KR" altLang="en-US" smtClean="0"/>
+              <a:rPr lang="ko-KR" altLang="en-US"/>
               <a:t>넷째 수준</a:t>
             </a:r>
           </a:p>
           <a:p>
             <a:pPr lvl="4"/>
             <a:r>
-              <a:rPr lang="ko-KR" altLang="en-US" smtClean="0"/>
+              <a:rPr lang="ko-KR" altLang="en-US"/>
               <a:t>다섯째 수준</a:t>
             </a:r>
-            <a:endParaRPr lang="ko-KR" altLang="en-US"/>
           </a:p>
         </p:txBody>
       </p:sp>
@@ -3872,7 +3871,7 @@
           <p:nvPr>
             <p:extLst>
               <p:ext uri="{D42A27DB-BD31-4B8C-83A1-F6EECF244321}">
-                <p14:modId xmlns:p14="http://schemas.microsoft.com/office/powerpoint/2010/main" val="1318040315"/>
+                <p14:modId xmlns:p14="http://schemas.microsoft.com/office/powerpoint/2010/main" val="602135638"/>
               </p:ext>
             </p:extLst>
           </p:nvPr>
@@ -3908,12 +3907,8 @@
                         <a:t>프로젝트 </a:t>
                       </a:r>
                       <a:r>
-                        <a:rPr lang="ko-KR" altLang="en-US" sz="2400" b="1" smtClean="0"/>
-                        <a:t>개요 </a:t>
-                      </a:r>
-                      <a:r>
-                        <a:rPr lang="ko-KR" altLang="en-US" sz="2400" b="1" smtClean="0"/>
-                        <a:t>  </a:t>
+                        <a:rPr lang="ko-KR" altLang="en-US" sz="2400" b="1"/>
+                        <a:t>개요     </a:t>
                       </a:r>
                       <a:endParaRPr lang="ko-KR" altLang="en-US" sz="2400" b="1" dirty="0"/>
                     </a:p>
@@ -5449,19 +5444,6 @@
               </a:rPr>
               <a:t>설계·적용</a:t>
             </a:r>
-            <a:r>
-              <a:rPr kumimoji="0" lang="ko-KR" altLang="ko-KR" sz="1800" b="0" i="0" u="none" strike="noStrike" cap="none" normalizeH="0" baseline="0" dirty="0">
-                <a:ln>
-                  <a:noFill/>
-                </a:ln>
-                <a:solidFill>
-                  <a:schemeClr val="tx1"/>
-                </a:solidFill>
-                <a:effectLst/>
-                <a:latin typeface="Arial" panose="020B0604020202020204" pitchFamily="34" charset="0"/>
-              </a:rPr>
-              <a:t/>
-            </a:r>
             <a:br>
               <a:rPr kumimoji="0" lang="ko-KR" altLang="ko-KR" sz="1800" b="0" i="0" u="none" strike="noStrike" cap="none" normalizeH="0" baseline="0" dirty="0">
                 <a:ln>
@@ -5655,19 +5637,6 @@
               </a:rPr>
               <a:t> 개발</a:t>
             </a:r>
-            <a:r>
-              <a:rPr kumimoji="0" lang="ko-KR" altLang="ko-KR" sz="1800" b="0" i="0" u="none" strike="noStrike" cap="none" normalizeH="0" baseline="0" dirty="0">
-                <a:ln>
-                  <a:noFill/>
-                </a:ln>
-                <a:solidFill>
-                  <a:schemeClr val="tx1"/>
-                </a:solidFill>
-                <a:effectLst/>
-                <a:latin typeface="Arial" panose="020B0604020202020204" pitchFamily="34" charset="0"/>
-              </a:rPr>
-              <a:t/>
-            </a:r>
             <a:br>
               <a:rPr kumimoji="0" lang="ko-KR" altLang="ko-KR" sz="1800" b="0" i="0" u="none" strike="noStrike" cap="none" normalizeH="0" baseline="0" dirty="0">
                 <a:ln>
@@ -5795,19 +5764,6 @@
                 <a:latin typeface="Arial" panose="020B0604020202020204" pitchFamily="34" charset="0"/>
               </a:rPr>
               <a:t>이상 포트 응답 탐지 자동화</a:t>
-            </a:r>
-            <a:r>
-              <a:rPr kumimoji="0" lang="ko-KR" altLang="ko-KR" sz="1800" b="0" i="0" u="none" strike="noStrike" cap="none" normalizeH="0" baseline="0" dirty="0">
-                <a:ln>
-                  <a:noFill/>
-                </a:ln>
-                <a:solidFill>
-                  <a:schemeClr val="tx1"/>
-                </a:solidFill>
-                <a:effectLst/>
-                <a:latin typeface="Arial" panose="020B0604020202020204" pitchFamily="34" charset="0"/>
-              </a:rPr>
-              <a:t/>
             </a:r>
             <a:br>
               <a:rPr kumimoji="0" lang="ko-KR" altLang="ko-KR" sz="1800" b="0" i="0" u="none" strike="noStrike" cap="none" normalizeH="0" baseline="0" dirty="0">
@@ -7591,10 +7547,9 @@
                     <a:p>
                       <a:pPr algn="ctr" latinLnBrk="1"/>
                       <a:r>
-                        <a:rPr lang="ko-KR" altLang="en-US" dirty="0" smtClean="0"/>
+                        <a:rPr lang="ko-KR" altLang="en-US" dirty="0"/>
                         <a:t>네트워크 구조 설계 및 구현</a:t>
                       </a:r>
-                      <a:endParaRPr lang="ko-KR" altLang="en-US" dirty="0"/>
                     </a:p>
                   </a:txBody>
                   <a:tcPr anchor="ctr">
@@ -7777,7 +7732,7 @@
                         <a:defRPr/>
                       </a:pPr>
                       <a:r>
-                        <a:rPr lang="ko-KR" altLang="en-US" dirty="0" smtClean="0"/>
+                        <a:rPr lang="ko-KR" altLang="en-US" dirty="0"/>
                         <a:t>네트워크 구조 설계 및 구현</a:t>
                       </a:r>
                     </a:p>
@@ -7947,18 +7902,17 @@
                     <a:p>
                       <a:pPr algn="ctr" latinLnBrk="1"/>
                       <a:r>
-                        <a:rPr lang="ko-KR" altLang="en-US" dirty="0" smtClean="0"/>
+                        <a:rPr lang="ko-KR" altLang="en-US" dirty="0"/>
                         <a:t>자동화</a:t>
                       </a:r>
                       <a:r>
-                        <a:rPr lang="en-US" altLang="ko-KR" dirty="0" smtClean="0"/>
+                        <a:rPr lang="en-US" altLang="ko-KR" dirty="0"/>
                         <a:t>, </a:t>
                       </a:r>
                       <a:r>
-                        <a:rPr lang="ko-KR" altLang="en-US" dirty="0" smtClean="0"/>
+                        <a:rPr lang="ko-KR" altLang="en-US" dirty="0"/>
                         <a:t>보안</a:t>
                       </a:r>
-                      <a:endParaRPr lang="ko-KR" altLang="en-US" dirty="0"/>
                     </a:p>
                   </a:txBody>
                   <a:tcPr anchor="ctr">
@@ -8141,7 +8095,7 @@
                         <a:defRPr/>
                       </a:pPr>
                       <a:r>
-                        <a:rPr lang="ko-KR" altLang="en-US" dirty="0" smtClean="0"/>
+                        <a:rPr lang="ko-KR" altLang="en-US" dirty="0"/>
                         <a:t>네트워크 구조 설계 및 구현</a:t>
                       </a:r>
                     </a:p>
@@ -8326,15 +8280,15 @@
                         <a:defRPr/>
                       </a:pPr>
                       <a:r>
-                        <a:rPr lang="ko-KR" altLang="en-US" dirty="0" smtClean="0"/>
+                        <a:rPr lang="ko-KR" altLang="en-US" dirty="0"/>
                         <a:t>자동화</a:t>
                       </a:r>
                       <a:r>
-                        <a:rPr lang="en-US" altLang="ko-KR" dirty="0" smtClean="0"/>
+                        <a:rPr lang="en-US" altLang="ko-KR" dirty="0"/>
                         <a:t>, </a:t>
                       </a:r>
                       <a:r>
-                        <a:rPr lang="ko-KR" altLang="en-US" dirty="0" smtClean="0"/>
+                        <a:rPr lang="ko-KR" altLang="en-US" dirty="0"/>
                         <a:t>보안</a:t>
                       </a:r>
                     </a:p>
@@ -9138,14 +9092,6 @@
               </a:rPr>
               <a:t>솔루션을 활용하고 </a:t>
             </a:r>
-            <a:r>
-              <a:rPr lang="en-US" altLang="ko-KR" sz="1200" dirty="0">
-                <a:solidFill>
-                  <a:schemeClr val="tx1"/>
-                </a:solidFill>
-              </a:rPr>
-              <a:t/>
-            </a:r>
             <a:br>
               <a:rPr lang="en-US" altLang="ko-KR" sz="1200" dirty="0">
                 <a:solidFill>
@@ -9176,14 +9122,6 @@
                 </a:solidFill>
               </a:rPr>
               <a:t>기반 자동화를 통해 일관된 보안 관리와 </a:t>
-            </a:r>
-            <a:r>
-              <a:rPr lang="en-US" altLang="ko-KR" sz="1200" dirty="0">
-                <a:solidFill>
-                  <a:schemeClr val="tx1"/>
-                </a:solidFill>
-              </a:rPr>
-              <a:t/>
             </a:r>
             <a:br>
               <a:rPr lang="en-US" altLang="ko-KR" sz="1200" dirty="0">
@@ -9628,14 +9566,6 @@
                 </a:solidFill>
               </a:rPr>
               <a:t>분산 네트워크 환경에서의 </a:t>
-            </a:r>
-            <a:r>
-              <a:rPr lang="en-US" altLang="ko-KR" sz="1200" dirty="0">
-                <a:solidFill>
-                  <a:schemeClr val="tx1"/>
-                </a:solidFill>
-              </a:rPr>
-              <a:t/>
             </a:r>
             <a:br>
               <a:rPr lang="en-US" altLang="ko-KR" sz="1200" dirty="0">
